--- a/Khoaluan_doc/Bao_cao_khoa_hoc.pptx
+++ b/Khoaluan_doc/Bao_cao_khoa_hoc.pptx
@@ -233,7 +233,7 @@
             <a:fld id="{AABCC9ED-840B-45B2-96D7-67C6F98FDA00}" type="datetimeFigureOut">
               <a:rPr lang="en-US" smtClean="0"/>
               <a:pPr/>
-              <a:t>5/29/2018</a:t>
+              <a:t>5/30/2018</a:t>
             </a:fld>
             <a:endParaRPr lang="en-US"/>
           </a:p>
@@ -545,335 +545,6 @@
           </a:bodyPr>
           <a:lstStyle/>
           <a:p>
-            <a:r>
-              <a:rPr lang="en-US" sz="1200" dirty="0" smtClean="0">
-                <a:latin typeface="Times New Roman" pitchFamily="18" charset="0"/>
-                <a:cs typeface="Times New Roman" pitchFamily="18" charset="0"/>
-              </a:rPr>
-              <a:t>: </a:t>
-            </a:r>
-            <a:r>
-              <a:rPr lang="en-US" sz="1200" dirty="0" err="1" smtClean="0">
-                <a:latin typeface="Times New Roman" pitchFamily="18" charset="0"/>
-                <a:cs typeface="Times New Roman" pitchFamily="18" charset="0"/>
-              </a:rPr>
-              <a:t>công</a:t>
-            </a:r>
-            <a:r>
-              <a:rPr lang="en-US" sz="1200" dirty="0" smtClean="0">
-                <a:latin typeface="Times New Roman" pitchFamily="18" charset="0"/>
-                <a:cs typeface="Times New Roman" pitchFamily="18" charset="0"/>
-              </a:rPr>
-              <a:t> </a:t>
-            </a:r>
-            <a:r>
-              <a:rPr lang="en-US" sz="1200" dirty="0" err="1" smtClean="0">
-                <a:latin typeface="Times New Roman" pitchFamily="18" charset="0"/>
-                <a:cs typeface="Times New Roman" pitchFamily="18" charset="0"/>
-              </a:rPr>
-              <a:t>cụ</a:t>
-            </a:r>
-            <a:r>
-              <a:rPr lang="en-US" sz="1200" dirty="0" smtClean="0">
-                <a:latin typeface="Times New Roman" pitchFamily="18" charset="0"/>
-                <a:cs typeface="Times New Roman" pitchFamily="18" charset="0"/>
-              </a:rPr>
-              <a:t> </a:t>
-            </a:r>
-            <a:r>
-              <a:rPr lang="en-US" sz="1200" dirty="0" err="1" smtClean="0">
-                <a:latin typeface="Times New Roman" pitchFamily="18" charset="0"/>
-                <a:cs typeface="Times New Roman" pitchFamily="18" charset="0"/>
-              </a:rPr>
-              <a:t>tách</a:t>
-            </a:r>
-            <a:r>
-              <a:rPr lang="en-US" sz="1200" dirty="0" smtClean="0">
-                <a:latin typeface="Times New Roman" pitchFamily="18" charset="0"/>
-                <a:cs typeface="Times New Roman" pitchFamily="18" charset="0"/>
-              </a:rPr>
-              <a:t> </a:t>
-            </a:r>
-            <a:r>
-              <a:rPr lang="en-US" sz="1200" dirty="0" err="1" smtClean="0">
-                <a:latin typeface="Times New Roman" pitchFamily="18" charset="0"/>
-                <a:cs typeface="Times New Roman" pitchFamily="18" charset="0"/>
-              </a:rPr>
-              <a:t>từ</a:t>
-            </a:r>
-            <a:r>
-              <a:rPr lang="en-US" sz="1200" dirty="0" smtClean="0">
-                <a:latin typeface="Times New Roman" pitchFamily="18" charset="0"/>
-                <a:cs typeface="Times New Roman" pitchFamily="18" charset="0"/>
-              </a:rPr>
-              <a:t>, </a:t>
-            </a:r>
-            <a:r>
-              <a:rPr lang="en-US" sz="1200" dirty="0" err="1" smtClean="0">
-                <a:latin typeface="Times New Roman" pitchFamily="18" charset="0"/>
-                <a:cs typeface="Times New Roman" pitchFamily="18" charset="0"/>
-              </a:rPr>
-              <a:t>công</a:t>
-            </a:r>
-            <a:r>
-              <a:rPr lang="en-US" sz="1200" dirty="0" smtClean="0">
-                <a:latin typeface="Times New Roman" pitchFamily="18" charset="0"/>
-                <a:cs typeface="Times New Roman" pitchFamily="18" charset="0"/>
-              </a:rPr>
-              <a:t> </a:t>
-            </a:r>
-            <a:r>
-              <a:rPr lang="en-US" sz="1200" dirty="0" err="1" smtClean="0">
-                <a:latin typeface="Times New Roman" pitchFamily="18" charset="0"/>
-                <a:cs typeface="Times New Roman" pitchFamily="18" charset="0"/>
-              </a:rPr>
-              <a:t>cụ</a:t>
-            </a:r>
-            <a:r>
-              <a:rPr lang="en-US" sz="1200" dirty="0" smtClean="0">
-                <a:latin typeface="Times New Roman" pitchFamily="18" charset="0"/>
-                <a:cs typeface="Times New Roman" pitchFamily="18" charset="0"/>
-              </a:rPr>
-              <a:t> </a:t>
-            </a:r>
-            <a:r>
-              <a:rPr lang="en-US" sz="1200" dirty="0" err="1" smtClean="0">
-                <a:latin typeface="Times New Roman" pitchFamily="18" charset="0"/>
-                <a:cs typeface="Times New Roman" pitchFamily="18" charset="0"/>
-              </a:rPr>
-              <a:t>gán</a:t>
-            </a:r>
-            <a:r>
-              <a:rPr lang="en-US" sz="1200" dirty="0" smtClean="0">
-                <a:latin typeface="Times New Roman" pitchFamily="18" charset="0"/>
-                <a:cs typeface="Times New Roman" pitchFamily="18" charset="0"/>
-              </a:rPr>
-              <a:t> </a:t>
-            </a:r>
-            <a:r>
-              <a:rPr lang="en-US" sz="1200" dirty="0" err="1" smtClean="0">
-                <a:latin typeface="Times New Roman" pitchFamily="18" charset="0"/>
-                <a:cs typeface="Times New Roman" pitchFamily="18" charset="0"/>
-              </a:rPr>
-              <a:t>nhãn</a:t>
-            </a:r>
-            <a:r>
-              <a:rPr lang="en-US" sz="1200" dirty="0" smtClean="0">
-                <a:latin typeface="Times New Roman" pitchFamily="18" charset="0"/>
-                <a:cs typeface="Times New Roman" pitchFamily="18" charset="0"/>
-              </a:rPr>
-              <a:t> </a:t>
-            </a:r>
-            <a:r>
-              <a:rPr lang="en-US" sz="1200" dirty="0" err="1" smtClean="0">
-                <a:latin typeface="Times New Roman" pitchFamily="18" charset="0"/>
-                <a:cs typeface="Times New Roman" pitchFamily="18" charset="0"/>
-              </a:rPr>
-              <a:t>từ</a:t>
-            </a:r>
-            <a:r>
-              <a:rPr lang="en-US" sz="1200" dirty="0" smtClean="0">
-                <a:latin typeface="Times New Roman" pitchFamily="18" charset="0"/>
-                <a:cs typeface="Times New Roman" pitchFamily="18" charset="0"/>
-              </a:rPr>
-              <a:t> </a:t>
-            </a:r>
-            <a:r>
-              <a:rPr lang="en-US" sz="1200" dirty="0" err="1" smtClean="0">
-                <a:latin typeface="Times New Roman" pitchFamily="18" charset="0"/>
-                <a:cs typeface="Times New Roman" pitchFamily="18" charset="0"/>
-              </a:rPr>
-              <a:t>loại</a:t>
-            </a:r>
-            <a:r>
-              <a:rPr lang="en-US" sz="1200" dirty="0" smtClean="0">
-                <a:latin typeface="Times New Roman" pitchFamily="18" charset="0"/>
-                <a:cs typeface="Times New Roman" pitchFamily="18" charset="0"/>
-              </a:rPr>
-              <a:t>, </a:t>
-            </a:r>
-            <a:r>
-              <a:rPr lang="en-US" sz="1200" dirty="0" err="1" smtClean="0">
-                <a:latin typeface="Times New Roman" pitchFamily="18" charset="0"/>
-                <a:cs typeface="Times New Roman" pitchFamily="18" charset="0"/>
-              </a:rPr>
-              <a:t>công</a:t>
-            </a:r>
-            <a:r>
-              <a:rPr lang="en-US" sz="1200" dirty="0" smtClean="0">
-                <a:latin typeface="Times New Roman" pitchFamily="18" charset="0"/>
-                <a:cs typeface="Times New Roman" pitchFamily="18" charset="0"/>
-              </a:rPr>
-              <a:t> </a:t>
-            </a:r>
-            <a:r>
-              <a:rPr lang="en-US" sz="1200" dirty="0" err="1" smtClean="0">
-                <a:latin typeface="Times New Roman" pitchFamily="18" charset="0"/>
-                <a:cs typeface="Times New Roman" pitchFamily="18" charset="0"/>
-              </a:rPr>
-              <a:t>cụ</a:t>
-            </a:r>
-            <a:r>
-              <a:rPr lang="en-US" sz="1200" dirty="0" smtClean="0">
-                <a:latin typeface="Times New Roman" pitchFamily="18" charset="0"/>
-                <a:cs typeface="Times New Roman" pitchFamily="18" charset="0"/>
-              </a:rPr>
-              <a:t> </a:t>
-            </a:r>
-            <a:r>
-              <a:rPr lang="en-US" sz="1200" dirty="0" err="1" smtClean="0">
-                <a:latin typeface="Times New Roman" pitchFamily="18" charset="0"/>
-                <a:cs typeface="Times New Roman" pitchFamily="18" charset="0"/>
-              </a:rPr>
-              <a:t>phân</a:t>
-            </a:r>
-            <a:r>
-              <a:rPr lang="en-US" sz="1200" dirty="0" smtClean="0">
-                <a:latin typeface="Times New Roman" pitchFamily="18" charset="0"/>
-                <a:cs typeface="Times New Roman" pitchFamily="18" charset="0"/>
-              </a:rPr>
-              <a:t> </a:t>
-            </a:r>
-            <a:r>
-              <a:rPr lang="en-US" sz="1200" dirty="0" err="1" smtClean="0">
-                <a:latin typeface="Times New Roman" pitchFamily="18" charset="0"/>
-                <a:cs typeface="Times New Roman" pitchFamily="18" charset="0"/>
-              </a:rPr>
-              <a:t>tích</a:t>
-            </a:r>
-            <a:r>
-              <a:rPr lang="en-US" sz="1200" dirty="0" smtClean="0">
-                <a:latin typeface="Times New Roman" pitchFamily="18" charset="0"/>
-                <a:cs typeface="Times New Roman" pitchFamily="18" charset="0"/>
-              </a:rPr>
-              <a:t> </a:t>
-            </a:r>
-            <a:r>
-              <a:rPr lang="en-US" sz="1200" dirty="0" err="1" smtClean="0">
-                <a:latin typeface="Times New Roman" pitchFamily="18" charset="0"/>
-                <a:cs typeface="Times New Roman" pitchFamily="18" charset="0"/>
-              </a:rPr>
-              <a:t>cú</a:t>
-            </a:r>
-            <a:r>
-              <a:rPr lang="en-US" sz="1200" dirty="0" smtClean="0">
-                <a:latin typeface="Times New Roman" pitchFamily="18" charset="0"/>
-                <a:cs typeface="Times New Roman" pitchFamily="18" charset="0"/>
-              </a:rPr>
-              <a:t> </a:t>
-            </a:r>
-            <a:r>
-              <a:rPr lang="en-US" sz="1200" dirty="0" err="1" smtClean="0">
-                <a:latin typeface="Times New Roman" pitchFamily="18" charset="0"/>
-                <a:cs typeface="Times New Roman" pitchFamily="18" charset="0"/>
-              </a:rPr>
-              <a:t>pháp</a:t>
-            </a:r>
-            <a:r>
-              <a:rPr lang="en-US" sz="1200" dirty="0" smtClean="0">
-                <a:latin typeface="Times New Roman" pitchFamily="18" charset="0"/>
-                <a:cs typeface="Times New Roman" pitchFamily="18" charset="0"/>
-              </a:rPr>
-              <a:t>, </a:t>
-            </a:r>
-            <a:r>
-              <a:rPr lang="en-US" sz="1200" dirty="0" err="1" smtClean="0">
-                <a:latin typeface="Times New Roman" pitchFamily="18" charset="0"/>
-                <a:cs typeface="Times New Roman" pitchFamily="18" charset="0"/>
-              </a:rPr>
-              <a:t>công</a:t>
-            </a:r>
-            <a:r>
-              <a:rPr lang="en-US" sz="1200" dirty="0" smtClean="0">
-                <a:latin typeface="Times New Roman" pitchFamily="18" charset="0"/>
-                <a:cs typeface="Times New Roman" pitchFamily="18" charset="0"/>
-              </a:rPr>
-              <a:t> </a:t>
-            </a:r>
-            <a:r>
-              <a:rPr lang="en-US" sz="1200" dirty="0" err="1" smtClean="0">
-                <a:latin typeface="Times New Roman" pitchFamily="18" charset="0"/>
-                <a:cs typeface="Times New Roman" pitchFamily="18" charset="0"/>
-              </a:rPr>
-              <a:t>cụ</a:t>
-            </a:r>
-            <a:r>
-              <a:rPr lang="en-US" sz="1200" dirty="0" smtClean="0">
-                <a:latin typeface="Times New Roman" pitchFamily="18" charset="0"/>
-                <a:cs typeface="Times New Roman" pitchFamily="18" charset="0"/>
-              </a:rPr>
-              <a:t> </a:t>
-            </a:r>
-            <a:r>
-              <a:rPr lang="en-US" sz="1200" dirty="0" err="1" smtClean="0">
-                <a:latin typeface="Times New Roman" pitchFamily="18" charset="0"/>
-                <a:cs typeface="Times New Roman" pitchFamily="18" charset="0"/>
-              </a:rPr>
-              <a:t>xác</a:t>
-            </a:r>
-            <a:r>
-              <a:rPr lang="en-US" sz="1200" dirty="0" smtClean="0">
-                <a:latin typeface="Times New Roman" pitchFamily="18" charset="0"/>
-                <a:cs typeface="Times New Roman" pitchFamily="18" charset="0"/>
-              </a:rPr>
-              <a:t> </a:t>
-            </a:r>
-            <a:r>
-              <a:rPr lang="en-US" sz="1200" dirty="0" err="1" smtClean="0">
-                <a:latin typeface="Times New Roman" pitchFamily="18" charset="0"/>
-                <a:cs typeface="Times New Roman" pitchFamily="18" charset="0"/>
-              </a:rPr>
-              <a:t>định</a:t>
-            </a:r>
-            <a:r>
-              <a:rPr lang="en-US" sz="1200" dirty="0" smtClean="0">
-                <a:latin typeface="Times New Roman" pitchFamily="18" charset="0"/>
-                <a:cs typeface="Times New Roman" pitchFamily="18" charset="0"/>
-              </a:rPr>
-              <a:t> </a:t>
-            </a:r>
-            <a:r>
-              <a:rPr lang="en-US" sz="1200" dirty="0" err="1" smtClean="0">
-                <a:latin typeface="Times New Roman" pitchFamily="18" charset="0"/>
-                <a:cs typeface="Times New Roman" pitchFamily="18" charset="0"/>
-              </a:rPr>
-              <a:t>thực</a:t>
-            </a:r>
-            <a:r>
-              <a:rPr lang="en-US" sz="1200" dirty="0" smtClean="0">
-                <a:latin typeface="Times New Roman" pitchFamily="18" charset="0"/>
-                <a:cs typeface="Times New Roman" pitchFamily="18" charset="0"/>
-              </a:rPr>
-              <a:t> </a:t>
-            </a:r>
-            <a:r>
-              <a:rPr lang="en-US" sz="1200" dirty="0" err="1" smtClean="0">
-                <a:latin typeface="Times New Roman" pitchFamily="18" charset="0"/>
-                <a:cs typeface="Times New Roman" pitchFamily="18" charset="0"/>
-              </a:rPr>
-              <a:t>thể</a:t>
-            </a:r>
-            <a:r>
-              <a:rPr lang="en-US" sz="1200" dirty="0" smtClean="0">
-                <a:latin typeface="Times New Roman" pitchFamily="18" charset="0"/>
-                <a:cs typeface="Times New Roman" pitchFamily="18" charset="0"/>
-              </a:rPr>
-              <a:t> </a:t>
-            </a:r>
-            <a:r>
-              <a:rPr lang="en-US" sz="1200" dirty="0" err="1" smtClean="0">
-                <a:latin typeface="Times New Roman" pitchFamily="18" charset="0"/>
-                <a:cs typeface="Times New Roman" pitchFamily="18" charset="0"/>
-              </a:rPr>
-              <a:t>tên</a:t>
-            </a:r>
-            <a:r>
-              <a:rPr lang="en-US" sz="1200" dirty="0" smtClean="0">
-                <a:latin typeface="Times New Roman" pitchFamily="18" charset="0"/>
-                <a:cs typeface="Times New Roman" pitchFamily="18" charset="0"/>
-              </a:rPr>
-              <a:t>,... </a:t>
-            </a:r>
             <a:endParaRPr lang="en-US" dirty="0"/>
           </a:p>
         </p:txBody>
@@ -896,7 +567,7 @@
             <a:fld id="{696EE4CE-795B-4CA8-8B2D-E1B09C736335}" type="slidenum">
               <a:rPr lang="en-US" smtClean="0"/>
               <a:pPr/>
-              <a:t>3</a:t>
+              <a:t>1</a:t>
             </a:fld>
             <a:endParaRPr lang="en-US"/>
           </a:p>
@@ -911,6 +582,410 @@
 </file>
 
 <file path=ppt/notesSlides/notesSlide2.xml><?xml version="1.0" encoding="utf-8"?>
+<p:notes xmlns:a="http://schemas.openxmlformats.org/drawingml/2006/main" xmlns:r="http://schemas.openxmlformats.org/officeDocument/2006/relationships" xmlns:p="http://schemas.openxmlformats.org/presentationml/2006/main">
+  <p:cSld>
+    <p:spTree>
+      <p:nvGrpSpPr>
+        <p:cNvPr id="1" name=""/>
+        <p:cNvGrpSpPr/>
+        <p:nvPr/>
+      </p:nvGrpSpPr>
+      <p:grpSpPr>
+        <a:xfrm>
+          <a:off x="0" y="0"/>
+          <a:ext cx="0" cy="0"/>
+          <a:chOff x="0" y="0"/>
+          <a:chExt cx="0" cy="0"/>
+        </a:xfrm>
+      </p:grpSpPr>
+      <p:sp>
+        <p:nvSpPr>
+          <p:cNvPr id="2" name="Slide Image Placeholder 1"/>
+          <p:cNvSpPr>
+            <a:spLocks noGrp="1" noRot="1" noChangeAspect="1"/>
+          </p:cNvSpPr>
+          <p:nvPr>
+            <p:ph type="sldImg"/>
+          </p:nvPr>
+        </p:nvSpPr>
+        <p:spPr/>
+      </p:sp>
+      <p:sp>
+        <p:nvSpPr>
+          <p:cNvPr id="3" name="Notes Placeholder 2"/>
+          <p:cNvSpPr>
+            <a:spLocks noGrp="1"/>
+          </p:cNvSpPr>
+          <p:nvPr>
+            <p:ph type="body" idx="1"/>
+          </p:nvPr>
+        </p:nvSpPr>
+        <p:spPr/>
+        <p:txBody>
+          <a:bodyPr>
+            <a:normAutofit/>
+          </a:bodyPr>
+          <a:lstStyle/>
+          <a:p>
+            <a:r>
+              <a:rPr lang="en-US" sz="1200" dirty="0" err="1" smtClean="0">
+                <a:latin typeface="Times New Roman" pitchFamily="18" charset="0"/>
+                <a:cs typeface="Times New Roman" pitchFamily="18" charset="0"/>
+              </a:rPr>
+              <a:t>công</a:t>
+            </a:r>
+            <a:r>
+              <a:rPr lang="en-US" sz="1200" dirty="0" smtClean="0">
+                <a:latin typeface="Times New Roman" pitchFamily="18" charset="0"/>
+                <a:cs typeface="Times New Roman" pitchFamily="18" charset="0"/>
+              </a:rPr>
+              <a:t> </a:t>
+            </a:r>
+            <a:r>
+              <a:rPr lang="en-US" sz="1200" dirty="0" err="1" smtClean="0">
+                <a:latin typeface="Times New Roman" pitchFamily="18" charset="0"/>
+                <a:cs typeface="Times New Roman" pitchFamily="18" charset="0"/>
+              </a:rPr>
+              <a:t>cụ</a:t>
+            </a:r>
+            <a:r>
+              <a:rPr lang="en-US" sz="1200" dirty="0" smtClean="0">
+                <a:latin typeface="Times New Roman" pitchFamily="18" charset="0"/>
+                <a:cs typeface="Times New Roman" pitchFamily="18" charset="0"/>
+              </a:rPr>
+              <a:t> </a:t>
+            </a:r>
+            <a:r>
+              <a:rPr lang="en-US" sz="1200" dirty="0" err="1" smtClean="0">
+                <a:latin typeface="Times New Roman" pitchFamily="18" charset="0"/>
+                <a:cs typeface="Times New Roman" pitchFamily="18" charset="0"/>
+              </a:rPr>
+              <a:t>tách</a:t>
+            </a:r>
+            <a:r>
+              <a:rPr lang="en-US" sz="1200" dirty="0" smtClean="0">
+                <a:latin typeface="Times New Roman" pitchFamily="18" charset="0"/>
+                <a:cs typeface="Times New Roman" pitchFamily="18" charset="0"/>
+              </a:rPr>
+              <a:t> </a:t>
+            </a:r>
+            <a:r>
+              <a:rPr lang="en-US" sz="1200" dirty="0" err="1" smtClean="0">
+                <a:latin typeface="Times New Roman" pitchFamily="18" charset="0"/>
+                <a:cs typeface="Times New Roman" pitchFamily="18" charset="0"/>
+              </a:rPr>
+              <a:t>từ</a:t>
+            </a:r>
+            <a:r>
+              <a:rPr lang="en-US" sz="1200" dirty="0" smtClean="0">
+                <a:latin typeface="Times New Roman" pitchFamily="18" charset="0"/>
+                <a:cs typeface="Times New Roman" pitchFamily="18" charset="0"/>
+              </a:rPr>
+              <a:t>, </a:t>
+            </a:r>
+            <a:r>
+              <a:rPr lang="en-US" sz="1200" dirty="0" err="1" smtClean="0">
+                <a:latin typeface="Times New Roman" pitchFamily="18" charset="0"/>
+                <a:cs typeface="Times New Roman" pitchFamily="18" charset="0"/>
+              </a:rPr>
+              <a:t>công</a:t>
+            </a:r>
+            <a:r>
+              <a:rPr lang="en-US" sz="1200" dirty="0" smtClean="0">
+                <a:latin typeface="Times New Roman" pitchFamily="18" charset="0"/>
+                <a:cs typeface="Times New Roman" pitchFamily="18" charset="0"/>
+              </a:rPr>
+              <a:t> </a:t>
+            </a:r>
+            <a:r>
+              <a:rPr lang="en-US" sz="1200" dirty="0" err="1" smtClean="0">
+                <a:latin typeface="Times New Roman" pitchFamily="18" charset="0"/>
+                <a:cs typeface="Times New Roman" pitchFamily="18" charset="0"/>
+              </a:rPr>
+              <a:t>cụ</a:t>
+            </a:r>
+            <a:r>
+              <a:rPr lang="en-US" sz="1200" dirty="0" smtClean="0">
+                <a:latin typeface="Times New Roman" pitchFamily="18" charset="0"/>
+                <a:cs typeface="Times New Roman" pitchFamily="18" charset="0"/>
+              </a:rPr>
+              <a:t> </a:t>
+            </a:r>
+            <a:r>
+              <a:rPr lang="en-US" sz="1200" dirty="0" err="1" smtClean="0">
+                <a:latin typeface="Times New Roman" pitchFamily="18" charset="0"/>
+                <a:cs typeface="Times New Roman" pitchFamily="18" charset="0"/>
+              </a:rPr>
+              <a:t>gán</a:t>
+            </a:r>
+            <a:r>
+              <a:rPr lang="en-US" sz="1200" dirty="0" smtClean="0">
+                <a:latin typeface="Times New Roman" pitchFamily="18" charset="0"/>
+                <a:cs typeface="Times New Roman" pitchFamily="18" charset="0"/>
+              </a:rPr>
+              <a:t> </a:t>
+            </a:r>
+            <a:r>
+              <a:rPr lang="en-US" sz="1200" dirty="0" err="1" smtClean="0">
+                <a:latin typeface="Times New Roman" pitchFamily="18" charset="0"/>
+                <a:cs typeface="Times New Roman" pitchFamily="18" charset="0"/>
+              </a:rPr>
+              <a:t>nhãn</a:t>
+            </a:r>
+            <a:r>
+              <a:rPr lang="en-US" sz="1200" dirty="0" smtClean="0">
+                <a:latin typeface="Times New Roman" pitchFamily="18" charset="0"/>
+                <a:cs typeface="Times New Roman" pitchFamily="18" charset="0"/>
+              </a:rPr>
+              <a:t> </a:t>
+            </a:r>
+            <a:r>
+              <a:rPr lang="en-US" sz="1200" dirty="0" err="1" smtClean="0">
+                <a:latin typeface="Times New Roman" pitchFamily="18" charset="0"/>
+                <a:cs typeface="Times New Roman" pitchFamily="18" charset="0"/>
+              </a:rPr>
+              <a:t>từ</a:t>
+            </a:r>
+            <a:r>
+              <a:rPr lang="en-US" sz="1200" dirty="0" smtClean="0">
+                <a:latin typeface="Times New Roman" pitchFamily="18" charset="0"/>
+                <a:cs typeface="Times New Roman" pitchFamily="18" charset="0"/>
+              </a:rPr>
+              <a:t> </a:t>
+            </a:r>
+            <a:r>
+              <a:rPr lang="en-US" sz="1200" dirty="0" err="1" smtClean="0">
+                <a:latin typeface="Times New Roman" pitchFamily="18" charset="0"/>
+                <a:cs typeface="Times New Roman" pitchFamily="18" charset="0"/>
+              </a:rPr>
+              <a:t>loại</a:t>
+            </a:r>
+            <a:r>
+              <a:rPr lang="en-US" sz="1200" dirty="0" smtClean="0">
+                <a:latin typeface="Times New Roman" pitchFamily="18" charset="0"/>
+                <a:cs typeface="Times New Roman" pitchFamily="18" charset="0"/>
+              </a:rPr>
+              <a:t>, </a:t>
+            </a:r>
+            <a:r>
+              <a:rPr lang="en-US" sz="1200" dirty="0" err="1" smtClean="0">
+                <a:latin typeface="Times New Roman" pitchFamily="18" charset="0"/>
+                <a:cs typeface="Times New Roman" pitchFamily="18" charset="0"/>
+              </a:rPr>
+              <a:t>công</a:t>
+            </a:r>
+            <a:r>
+              <a:rPr lang="en-US" sz="1200" dirty="0" smtClean="0">
+                <a:latin typeface="Times New Roman" pitchFamily="18" charset="0"/>
+                <a:cs typeface="Times New Roman" pitchFamily="18" charset="0"/>
+              </a:rPr>
+              <a:t> </a:t>
+            </a:r>
+            <a:r>
+              <a:rPr lang="en-US" sz="1200" dirty="0" err="1" smtClean="0">
+                <a:latin typeface="Times New Roman" pitchFamily="18" charset="0"/>
+                <a:cs typeface="Times New Roman" pitchFamily="18" charset="0"/>
+              </a:rPr>
+              <a:t>cụ</a:t>
+            </a:r>
+            <a:r>
+              <a:rPr lang="en-US" sz="1200" dirty="0" smtClean="0">
+                <a:latin typeface="Times New Roman" pitchFamily="18" charset="0"/>
+                <a:cs typeface="Times New Roman" pitchFamily="18" charset="0"/>
+              </a:rPr>
+              <a:t> </a:t>
+            </a:r>
+            <a:r>
+              <a:rPr lang="en-US" sz="1200" dirty="0" err="1" smtClean="0">
+                <a:latin typeface="Times New Roman" pitchFamily="18" charset="0"/>
+                <a:cs typeface="Times New Roman" pitchFamily="18" charset="0"/>
+              </a:rPr>
+              <a:t>phân</a:t>
+            </a:r>
+            <a:r>
+              <a:rPr lang="en-US" sz="1200" dirty="0" smtClean="0">
+                <a:latin typeface="Times New Roman" pitchFamily="18" charset="0"/>
+                <a:cs typeface="Times New Roman" pitchFamily="18" charset="0"/>
+              </a:rPr>
+              <a:t> </a:t>
+            </a:r>
+            <a:r>
+              <a:rPr lang="en-US" sz="1200" dirty="0" err="1" smtClean="0">
+                <a:latin typeface="Times New Roman" pitchFamily="18" charset="0"/>
+                <a:cs typeface="Times New Roman" pitchFamily="18" charset="0"/>
+              </a:rPr>
+              <a:t>tích</a:t>
+            </a:r>
+            <a:r>
+              <a:rPr lang="en-US" sz="1200" dirty="0" smtClean="0">
+                <a:latin typeface="Times New Roman" pitchFamily="18" charset="0"/>
+                <a:cs typeface="Times New Roman" pitchFamily="18" charset="0"/>
+              </a:rPr>
+              <a:t> </a:t>
+            </a:r>
+            <a:r>
+              <a:rPr lang="en-US" sz="1200" dirty="0" err="1" smtClean="0">
+                <a:latin typeface="Times New Roman" pitchFamily="18" charset="0"/>
+                <a:cs typeface="Times New Roman" pitchFamily="18" charset="0"/>
+              </a:rPr>
+              <a:t>cú</a:t>
+            </a:r>
+            <a:r>
+              <a:rPr lang="en-US" sz="1200" dirty="0" smtClean="0">
+                <a:latin typeface="Times New Roman" pitchFamily="18" charset="0"/>
+                <a:cs typeface="Times New Roman" pitchFamily="18" charset="0"/>
+              </a:rPr>
+              <a:t> </a:t>
+            </a:r>
+            <a:r>
+              <a:rPr lang="en-US" sz="1200" dirty="0" err="1" smtClean="0">
+                <a:latin typeface="Times New Roman" pitchFamily="18" charset="0"/>
+                <a:cs typeface="Times New Roman" pitchFamily="18" charset="0"/>
+              </a:rPr>
+              <a:t>pháp</a:t>
+            </a:r>
+            <a:r>
+              <a:rPr lang="en-US" sz="1200" dirty="0" smtClean="0">
+                <a:latin typeface="Times New Roman" pitchFamily="18" charset="0"/>
+                <a:cs typeface="Times New Roman" pitchFamily="18" charset="0"/>
+              </a:rPr>
+              <a:t>, </a:t>
+            </a:r>
+            <a:r>
+              <a:rPr lang="en-US" sz="1200" dirty="0" err="1" smtClean="0">
+                <a:latin typeface="Times New Roman" pitchFamily="18" charset="0"/>
+                <a:cs typeface="Times New Roman" pitchFamily="18" charset="0"/>
+              </a:rPr>
+              <a:t>công</a:t>
+            </a:r>
+            <a:r>
+              <a:rPr lang="en-US" sz="1200" dirty="0" smtClean="0">
+                <a:latin typeface="Times New Roman" pitchFamily="18" charset="0"/>
+                <a:cs typeface="Times New Roman" pitchFamily="18" charset="0"/>
+              </a:rPr>
+              <a:t> </a:t>
+            </a:r>
+            <a:r>
+              <a:rPr lang="en-US" sz="1200" dirty="0" err="1" smtClean="0">
+                <a:latin typeface="Times New Roman" pitchFamily="18" charset="0"/>
+                <a:cs typeface="Times New Roman" pitchFamily="18" charset="0"/>
+              </a:rPr>
+              <a:t>cụ</a:t>
+            </a:r>
+            <a:r>
+              <a:rPr lang="en-US" sz="1200" dirty="0" smtClean="0">
+                <a:latin typeface="Times New Roman" pitchFamily="18" charset="0"/>
+                <a:cs typeface="Times New Roman" pitchFamily="18" charset="0"/>
+              </a:rPr>
+              <a:t> </a:t>
+            </a:r>
+            <a:r>
+              <a:rPr lang="en-US" sz="1200" dirty="0" err="1" smtClean="0">
+                <a:latin typeface="Times New Roman" pitchFamily="18" charset="0"/>
+                <a:cs typeface="Times New Roman" pitchFamily="18" charset="0"/>
+              </a:rPr>
+              <a:t>xác</a:t>
+            </a:r>
+            <a:r>
+              <a:rPr lang="en-US" sz="1200" dirty="0" smtClean="0">
+                <a:latin typeface="Times New Roman" pitchFamily="18" charset="0"/>
+                <a:cs typeface="Times New Roman" pitchFamily="18" charset="0"/>
+              </a:rPr>
+              <a:t> </a:t>
+            </a:r>
+            <a:r>
+              <a:rPr lang="en-US" sz="1200" dirty="0" err="1" smtClean="0">
+                <a:latin typeface="Times New Roman" pitchFamily="18" charset="0"/>
+                <a:cs typeface="Times New Roman" pitchFamily="18" charset="0"/>
+              </a:rPr>
+              <a:t>định</a:t>
+            </a:r>
+            <a:r>
+              <a:rPr lang="en-US" sz="1200" dirty="0" smtClean="0">
+                <a:latin typeface="Times New Roman" pitchFamily="18" charset="0"/>
+                <a:cs typeface="Times New Roman" pitchFamily="18" charset="0"/>
+              </a:rPr>
+              <a:t> </a:t>
+            </a:r>
+            <a:r>
+              <a:rPr lang="en-US" sz="1200" dirty="0" err="1" smtClean="0">
+                <a:latin typeface="Times New Roman" pitchFamily="18" charset="0"/>
+                <a:cs typeface="Times New Roman" pitchFamily="18" charset="0"/>
+              </a:rPr>
+              <a:t>thực</a:t>
+            </a:r>
+            <a:r>
+              <a:rPr lang="en-US" sz="1200" dirty="0" smtClean="0">
+                <a:latin typeface="Times New Roman" pitchFamily="18" charset="0"/>
+                <a:cs typeface="Times New Roman" pitchFamily="18" charset="0"/>
+              </a:rPr>
+              <a:t> </a:t>
+            </a:r>
+            <a:r>
+              <a:rPr lang="en-US" sz="1200" dirty="0" err="1" smtClean="0">
+                <a:latin typeface="Times New Roman" pitchFamily="18" charset="0"/>
+                <a:cs typeface="Times New Roman" pitchFamily="18" charset="0"/>
+              </a:rPr>
+              <a:t>thể</a:t>
+            </a:r>
+            <a:r>
+              <a:rPr lang="en-US" sz="1200" dirty="0" smtClean="0">
+                <a:latin typeface="Times New Roman" pitchFamily="18" charset="0"/>
+                <a:cs typeface="Times New Roman" pitchFamily="18" charset="0"/>
+              </a:rPr>
+              <a:t> </a:t>
+            </a:r>
+            <a:r>
+              <a:rPr lang="en-US" sz="1200" dirty="0" err="1" smtClean="0">
+                <a:latin typeface="Times New Roman" pitchFamily="18" charset="0"/>
+                <a:cs typeface="Times New Roman" pitchFamily="18" charset="0"/>
+              </a:rPr>
+              <a:t>tên</a:t>
+            </a:r>
+            <a:r>
+              <a:rPr lang="en-US" sz="1200" dirty="0" smtClean="0">
+                <a:latin typeface="Times New Roman" pitchFamily="18" charset="0"/>
+                <a:cs typeface="Times New Roman" pitchFamily="18" charset="0"/>
+              </a:rPr>
+              <a:t>,... </a:t>
+            </a:r>
+            <a:endParaRPr lang="en-US" dirty="0"/>
+          </a:p>
+        </p:txBody>
+      </p:sp>
+      <p:sp>
+        <p:nvSpPr>
+          <p:cNvPr id="4" name="Slide Number Placeholder 3"/>
+          <p:cNvSpPr>
+            <a:spLocks noGrp="1"/>
+          </p:cNvSpPr>
+          <p:nvPr>
+            <p:ph type="sldNum" sz="quarter" idx="10"/>
+          </p:nvPr>
+        </p:nvSpPr>
+        <p:spPr/>
+        <p:txBody>
+          <a:bodyPr/>
+          <a:lstStyle/>
+          <a:p>
+            <a:fld id="{696EE4CE-795B-4CA8-8B2D-E1B09C736335}" type="slidenum">
+              <a:rPr lang="en-US" smtClean="0"/>
+              <a:pPr/>
+              <a:t>3</a:t>
+            </a:fld>
+            <a:endParaRPr lang="en-US"/>
+          </a:p>
+        </p:txBody>
+      </p:sp>
+    </p:spTree>
+  </p:cSld>
+  <p:clrMapOvr>
+    <a:masterClrMapping/>
+  </p:clrMapOvr>
+</p:notes>
+</file>
+
+<file path=ppt/notesSlides/notesSlide3.xml><?xml version="1.0" encoding="utf-8"?>
 <p:notes xmlns:a="http://schemas.openxmlformats.org/drawingml/2006/main" xmlns:r="http://schemas.openxmlformats.org/officeDocument/2006/relationships" xmlns:p="http://schemas.openxmlformats.org/presentationml/2006/main">
   <p:cSld>
     <p:spTree>
@@ -1503,7 +1578,7 @@
             <a:fld id="{1D8BD707-D9CF-40AE-B4C6-C98DA3205C09}" type="datetimeFigureOut">
               <a:rPr lang="en-US" smtClean="0"/>
               <a:pPr/>
-              <a:t>5/29/2018</a:t>
+              <a:t>5/30/2018</a:t>
             </a:fld>
             <a:endParaRPr lang="en-US"/>
           </a:p>
@@ -1670,7 +1745,7 @@
             <a:fld id="{1D8BD707-D9CF-40AE-B4C6-C98DA3205C09}" type="datetimeFigureOut">
               <a:rPr lang="en-US" smtClean="0"/>
               <a:pPr/>
-              <a:t>5/29/2018</a:t>
+              <a:t>5/30/2018</a:t>
             </a:fld>
             <a:endParaRPr lang="en-US"/>
           </a:p>
@@ -1847,7 +1922,7 @@
             <a:fld id="{1D8BD707-D9CF-40AE-B4C6-C98DA3205C09}" type="datetimeFigureOut">
               <a:rPr lang="en-US" smtClean="0"/>
               <a:pPr/>
-              <a:t>5/29/2018</a:t>
+              <a:t>5/30/2018</a:t>
             </a:fld>
             <a:endParaRPr lang="en-US"/>
           </a:p>
@@ -2014,7 +2089,7 @@
             <a:fld id="{1D8BD707-D9CF-40AE-B4C6-C98DA3205C09}" type="datetimeFigureOut">
               <a:rPr lang="en-US" smtClean="0"/>
               <a:pPr/>
-              <a:t>5/29/2018</a:t>
+              <a:t>5/30/2018</a:t>
             </a:fld>
             <a:endParaRPr lang="en-US"/>
           </a:p>
@@ -2257,7 +2332,7 @@
             <a:fld id="{1D8BD707-D9CF-40AE-B4C6-C98DA3205C09}" type="datetimeFigureOut">
               <a:rPr lang="en-US" smtClean="0"/>
               <a:pPr/>
-              <a:t>5/29/2018</a:t>
+              <a:t>5/30/2018</a:t>
             </a:fld>
             <a:endParaRPr lang="en-US"/>
           </a:p>
@@ -2542,7 +2617,7 @@
             <a:fld id="{1D8BD707-D9CF-40AE-B4C6-C98DA3205C09}" type="datetimeFigureOut">
               <a:rPr lang="en-US" smtClean="0"/>
               <a:pPr/>
-              <a:t>5/29/2018</a:t>
+              <a:t>5/30/2018</a:t>
             </a:fld>
             <a:endParaRPr lang="en-US"/>
           </a:p>
@@ -2961,7 +3036,7 @@
             <a:fld id="{1D8BD707-D9CF-40AE-B4C6-C98DA3205C09}" type="datetimeFigureOut">
               <a:rPr lang="en-US" smtClean="0"/>
               <a:pPr/>
-              <a:t>5/29/2018</a:t>
+              <a:t>5/30/2018</a:t>
             </a:fld>
             <a:endParaRPr lang="en-US"/>
           </a:p>
@@ -3076,7 +3151,7 @@
             <a:fld id="{1D8BD707-D9CF-40AE-B4C6-C98DA3205C09}" type="datetimeFigureOut">
               <a:rPr lang="en-US" smtClean="0"/>
               <a:pPr/>
-              <a:t>5/29/2018</a:t>
+              <a:t>5/30/2018</a:t>
             </a:fld>
             <a:endParaRPr lang="en-US"/>
           </a:p>
@@ -3168,7 +3243,7 @@
             <a:fld id="{1D8BD707-D9CF-40AE-B4C6-C98DA3205C09}" type="datetimeFigureOut">
               <a:rPr lang="en-US" smtClean="0"/>
               <a:pPr/>
-              <a:t>5/29/2018</a:t>
+              <a:t>5/30/2018</a:t>
             </a:fld>
             <a:endParaRPr lang="en-US"/>
           </a:p>
@@ -3442,7 +3517,7 @@
             <a:fld id="{1D8BD707-D9CF-40AE-B4C6-C98DA3205C09}" type="datetimeFigureOut">
               <a:rPr lang="en-US" smtClean="0"/>
               <a:pPr/>
-              <a:t>5/29/2018</a:t>
+              <a:t>5/30/2018</a:t>
             </a:fld>
             <a:endParaRPr lang="en-US"/>
           </a:p>
@@ -3692,7 +3767,7 @@
             <a:fld id="{1D8BD707-D9CF-40AE-B4C6-C98DA3205C09}" type="datetimeFigureOut">
               <a:rPr lang="en-US" smtClean="0"/>
               <a:pPr/>
-              <a:t>5/29/2018</a:t>
+              <a:t>5/30/2018</a:t>
             </a:fld>
             <a:endParaRPr lang="en-US"/>
           </a:p>
@@ -3913,7 +3988,7 @@
             <a:fld id="{1D8BD707-D9CF-40AE-B4C6-C98DA3205C09}" type="datetimeFigureOut">
               <a:rPr lang="en-US" smtClean="0"/>
               <a:pPr/>
-              <a:t>5/29/2018</a:t>
+              <a:t>5/30/2018</a:t>
             </a:fld>
             <a:endParaRPr lang="en-US" dirty="0"/>
           </a:p>
@@ -4433,7 +4508,7 @@
           <p:nvPr/>
         </p:nvPicPr>
         <p:blipFill>
-          <a:blip r:embed="rId2"/>
+          <a:blip r:embed="rId3"/>
           <a:stretch>
             <a:fillRect/>
           </a:stretch>
@@ -5638,14 +5713,7 @@
                 <a:latin typeface="Arial" pitchFamily="34" charset="0"/>
                 <a:cs typeface="Arial" pitchFamily="34" charset="0"/>
               </a:rPr>
-              <a:t>ra</a:t>
-            </a:r>
-            <a:r>
-              <a:rPr lang="en-US" smtClean="0">
-                <a:latin typeface="Arial" pitchFamily="34" charset="0"/>
-                <a:cs typeface="Arial" pitchFamily="34" charset="0"/>
-              </a:rPr>
-              <a:t>: </a:t>
+              <a:t>ra: </a:t>
             </a:r>
             <a:r>
               <a:rPr lang="en-US" dirty="0" err="1" smtClean="0">
